--- a/P5_07_présentation.pptx
+++ b/P5_07_présentation.pptx
@@ -1033,11 +1033,7 @@
           <a:pPr algn="l"/>
           <a:r>
             <a:rPr lang="fr-FR" sz="1600" dirty="0" smtClean="0"/>
-            <a:t>- Critère de </a:t>
-          </a:r>
-          <a:r>
-            <a:rPr lang="fr-FR" sz="1600" dirty="0" smtClean="0"/>
-            <a:t>sélection</a:t>
+            <a:t>- Critère de sélection</a:t>
           </a:r>
         </a:p>
         <a:p>
@@ -1178,10 +1174,10 @@
   <dgm:cxnLst>
     <dgm:cxn modelId="{9235C86E-B6F6-4C32-820A-A791C02B356D}" type="presOf" srcId="{E9E1834E-0012-4318-8147-D786D71AF39A}" destId="{2AF6A95C-6800-4CB4-83D7-A971BE14DB83}" srcOrd="0" destOrd="0" presId="urn:microsoft.com/office/officeart/2005/8/layout/process1"/>
     <dgm:cxn modelId="{37166F66-AAC3-4E22-A707-533D53C33903}" type="presOf" srcId="{03A920AD-F05C-4D44-BF5F-D98C476783BD}" destId="{CC9E9B31-C5C4-44BE-9D7F-17797917979A}" srcOrd="0" destOrd="0" presId="urn:microsoft.com/office/officeart/2005/8/layout/process1"/>
+    <dgm:cxn modelId="{EC5CC0E6-D848-4C10-A719-74A9AC15FEC2}" srcId="{03A920AD-F05C-4D44-BF5F-D98C476783BD}" destId="{E4DFE987-CDFB-4DF9-B8EE-CC5A09A12C13}" srcOrd="0" destOrd="0" parTransId="{507A4199-0456-492B-BE0E-EA220A96EE6C}" sibTransId="{E9E1834E-0012-4318-8147-D786D71AF39A}"/>
     <dgm:cxn modelId="{460AB9B5-69FE-4827-AC7A-53F751CFFFFF}" type="presOf" srcId="{39577F43-067C-442C-83EA-E0A946134C0C}" destId="{E8433CA8-26AD-49EE-AA37-4B88FF9350B5}" srcOrd="0" destOrd="0" presId="urn:microsoft.com/office/officeart/2005/8/layout/process1"/>
-    <dgm:cxn modelId="{EC5CC0E6-D848-4C10-A719-74A9AC15FEC2}" srcId="{03A920AD-F05C-4D44-BF5F-D98C476783BD}" destId="{E4DFE987-CDFB-4DF9-B8EE-CC5A09A12C13}" srcOrd="0" destOrd="0" parTransId="{507A4199-0456-492B-BE0E-EA220A96EE6C}" sibTransId="{E9E1834E-0012-4318-8147-D786D71AF39A}"/>
+    <dgm:cxn modelId="{B93A58FB-17C2-45FB-94D1-7ACBE42973B6}" type="presOf" srcId="{5F6A5F28-6184-4683-88D1-5E00B8A01858}" destId="{FEE8E2A7-7EC9-4033-9656-DE028973D290}" srcOrd="1" destOrd="0" presId="urn:microsoft.com/office/officeart/2005/8/layout/process1"/>
     <dgm:cxn modelId="{36023C4B-6877-45D9-B3E9-82B929F49E88}" type="presOf" srcId="{E9E1834E-0012-4318-8147-D786D71AF39A}" destId="{BF48D272-7BE9-4442-A763-BCD00F5D34FB}" srcOrd="1" destOrd="0" presId="urn:microsoft.com/office/officeart/2005/8/layout/process1"/>
-    <dgm:cxn modelId="{B93A58FB-17C2-45FB-94D1-7ACBE42973B6}" type="presOf" srcId="{5F6A5F28-6184-4683-88D1-5E00B8A01858}" destId="{FEE8E2A7-7EC9-4033-9656-DE028973D290}" srcOrd="1" destOrd="0" presId="urn:microsoft.com/office/officeart/2005/8/layout/process1"/>
     <dgm:cxn modelId="{3DED6626-08CF-4E22-905A-DAB740003846}" type="presOf" srcId="{60E5A543-D577-4A53-B7BD-03F5BC89D16C}" destId="{7A9C7613-632E-4CC0-A30D-4554668C90E4}" srcOrd="0" destOrd="0" presId="urn:microsoft.com/office/officeart/2005/8/layout/process1"/>
     <dgm:cxn modelId="{74B33257-486D-4126-BD65-CDA2605BA1C7}" type="presOf" srcId="{5F6A5F28-6184-4683-88D1-5E00B8A01858}" destId="{A6F86F33-A02C-4576-80B0-AF03E548A06D}" srcOrd="0" destOrd="0" presId="urn:microsoft.com/office/officeart/2005/8/layout/process1"/>
     <dgm:cxn modelId="{19CE685F-2A4E-4D87-9E54-B4D380B29CA6}" srcId="{03A920AD-F05C-4D44-BF5F-D98C476783BD}" destId="{60E5A543-D577-4A53-B7BD-03F5BC89D16C}" srcOrd="1" destOrd="0" parTransId="{4DA7F6C9-D50A-4E4A-A372-3A32FFB40CE0}" sibTransId="{5F6A5F28-6184-4683-88D1-5E00B8A01858}"/>
@@ -1646,11 +1642,7 @@
           </a:pPr>
           <a:r>
             <a:rPr lang="fr-FR" sz="1600" kern="1200" dirty="0" smtClean="0"/>
-            <a:t>- Critère de </a:t>
-          </a:r>
-          <a:r>
-            <a:rPr lang="fr-FR" sz="1600" kern="1200" dirty="0" smtClean="0"/>
-            <a:t>sélection</a:t>
+            <a:t>- Critère de sélection</a:t>
           </a:r>
         </a:p>
         <a:p>
@@ -2948,7 +2940,7 @@
             <a:fld id="{50431361-A7AB-40E5-83A5-9DCEE0047E22}" type="datetimeFigureOut">
               <a:rPr lang="fr-FR" smtClean="0"/>
               <a:pPr/>
-              <a:t>17/03/2021</a:t>
+              <a:t>21/03/2021</a:t>
             </a:fld>
             <a:endParaRPr lang="fr-FR"/>
           </a:p>
@@ -4134,7 +4126,18 @@
                 <a:ea typeface="+mn-ea"/>
                 <a:cs typeface="+mn-cs"/>
               </a:rPr>
-              <a:t> naïf suppose que l’existence d’une caractéristique déterminant l’appartenance à une classe est indépendante de l’existence d’autres caractéristiques. Par exemple, un animal sera considéré avec un bon degré de confiance comme un canard s’il a des ailes, un bec et qu’il cancane comme un canard, en ignorant totalement la possibilité que ces caractéristiques puissent être corrélées.</a:t>
+              <a:t> naïf suppose que l’existence d’une caractéristique déterminant l’appartenance à une classe est indépendante de l’existence d’autres </a:t>
+            </a:r>
+            <a:r>
+              <a:rPr lang="fr-FR" sz="1200" b="0" i="0" kern="1200" smtClean="0">
+                <a:solidFill>
+                  <a:schemeClr val="tx1"/>
+                </a:solidFill>
+                <a:latin typeface="+mn-lt"/>
+                <a:ea typeface="+mn-ea"/>
+                <a:cs typeface="+mn-cs"/>
+              </a:rPr>
+              <a:t>caractéristiques.</a:t>
             </a:r>
             <a:endParaRPr lang="fr-FR" dirty="0"/>
           </a:p>
@@ -5174,29 +5177,7 @@
                 <a:ea typeface="+mn-ea"/>
                 <a:cs typeface="+mn-cs"/>
               </a:rPr>
-              <a:t>Le calcul de l’indice de </a:t>
-            </a:r>
-            <a:r>
-              <a:rPr lang="fr-FR" sz="1200" b="0" i="0" kern="1200" dirty="0" smtClean="0">
-                <a:solidFill>
-                  <a:schemeClr val="tx1"/>
-                </a:solidFill>
-                <a:latin typeface="+mn-lt"/>
-                <a:ea typeface="+mn-ea"/>
-                <a:cs typeface="+mn-cs"/>
-              </a:rPr>
-              <a:t>précision est </a:t>
-            </a:r>
-            <a:r>
-              <a:rPr lang="fr-FR" sz="1200" b="0" i="0" kern="1200" dirty="0" smtClean="0">
-                <a:solidFill>
-                  <a:schemeClr val="tx1"/>
-                </a:solidFill>
-                <a:latin typeface="+mn-lt"/>
-                <a:ea typeface="+mn-ea"/>
-                <a:cs typeface="+mn-cs"/>
-              </a:rPr>
-              <a:t>basé sur le même principe. Il représente la proportion des « vrais » non-cas correctement identifiés par l’instrument (VN) avec l’ensemble des non-cas réels soit VN + FP.</a:t>
+              <a:t>Le calcul de l’indice de précision est basé sur le même principe. Il représente la proportion des « vrais » non-cas correctement identifiés par l’instrument (VN) avec l’ensemble des non-cas réels soit VN + FP.</a:t>
             </a:r>
           </a:p>
           <a:p>
@@ -5738,15 +5719,7 @@
           <a:p>
             <a:r>
               <a:rPr lang="fr-FR" sz="1200" baseline="0" dirty="0" smtClean="0"/>
-              <a:t>Puis </a:t>
-            </a:r>
-            <a:r>
-              <a:rPr lang="fr-FR" sz="1200" baseline="0" dirty="0" smtClean="0"/>
-              <a:t>je compare les résultat sur l’échantillon </a:t>
-            </a:r>
-            <a:r>
-              <a:rPr lang="fr-FR" sz="1200" baseline="0" dirty="0" smtClean="0"/>
-              <a:t>test.</a:t>
+              <a:t>Puis je compare les résultat sur l’échantillon test.</a:t>
             </a:r>
             <a:endParaRPr lang="fr-FR" sz="1200" dirty="0" smtClean="0"/>
           </a:p>
@@ -7747,7 +7720,7 @@
                 </a:solidFill>
               </a:rPr>
               <a:pPr/>
-              <a:t>17/03/2021</a:t>
+              <a:t>21/03/2021</a:t>
             </a:fld>
             <a:endParaRPr lang="fr-FR">
               <a:solidFill>
@@ -7944,7 +7917,7 @@
                 </a:solidFill>
               </a:rPr>
               <a:pPr/>
-              <a:t>17/03/2021</a:t>
+              <a:t>21/03/2021</a:t>
             </a:fld>
             <a:endParaRPr lang="fr-FR">
               <a:solidFill>
@@ -8151,7 +8124,7 @@
                 </a:solidFill>
               </a:rPr>
               <a:pPr/>
-              <a:t>17/03/2021</a:t>
+              <a:t>21/03/2021</a:t>
             </a:fld>
             <a:endParaRPr lang="fr-FR">
               <a:solidFill>
@@ -8348,7 +8321,7 @@
                 </a:solidFill>
               </a:rPr>
               <a:pPr/>
-              <a:t>17/03/2021</a:t>
+              <a:t>21/03/2021</a:t>
             </a:fld>
             <a:endParaRPr lang="fr-FR">
               <a:solidFill>
@@ -8621,7 +8594,7 @@
                 </a:solidFill>
               </a:rPr>
               <a:pPr/>
-              <a:t>17/03/2021</a:t>
+              <a:t>21/03/2021</a:t>
             </a:fld>
             <a:endParaRPr lang="fr-FR">
               <a:solidFill>
@@ -8936,7 +8909,7 @@
                 </a:solidFill>
               </a:rPr>
               <a:pPr/>
-              <a:t>17/03/2021</a:t>
+              <a:t>21/03/2021</a:t>
             </a:fld>
             <a:endParaRPr lang="fr-FR">
               <a:solidFill>
@@ -9385,7 +9358,7 @@
                 </a:solidFill>
               </a:rPr>
               <a:pPr/>
-              <a:t>17/03/2021</a:t>
+              <a:t>21/03/2021</a:t>
             </a:fld>
             <a:endParaRPr lang="fr-FR">
               <a:solidFill>
@@ -9530,7 +9503,7 @@
                 </a:solidFill>
               </a:rPr>
               <a:pPr/>
-              <a:t>17/03/2021</a:t>
+              <a:t>21/03/2021</a:t>
             </a:fld>
             <a:endParaRPr lang="fr-FR">
               <a:solidFill>
@@ -9652,7 +9625,7 @@
                 </a:solidFill>
               </a:rPr>
               <a:pPr/>
-              <a:t>17/03/2021</a:t>
+              <a:t>21/03/2021</a:t>
             </a:fld>
             <a:endParaRPr lang="fr-FR">
               <a:solidFill>
@@ -9956,7 +9929,7 @@
                 </a:solidFill>
               </a:rPr>
               <a:pPr/>
-              <a:t>17/03/2021</a:t>
+              <a:t>21/03/2021</a:t>
             </a:fld>
             <a:endParaRPr lang="fr-FR">
               <a:solidFill>
@@ -10236,7 +10209,7 @@
                 </a:solidFill>
               </a:rPr>
               <a:pPr/>
-              <a:t>17/03/2021</a:t>
+              <a:t>21/03/2021</a:t>
             </a:fld>
             <a:endParaRPr lang="fr-FR">
               <a:solidFill>
@@ -10500,7 +10473,7 @@
                 </a:solidFill>
               </a:rPr>
               <a:pPr/>
-              <a:t>17/03/2021</a:t>
+              <a:t>21/03/2021</a:t>
             </a:fld>
             <a:endParaRPr lang="fr-FR">
               <a:solidFill>
@@ -13211,7 +13184,7 @@
       </p:sp>
       <p:pic>
         <p:nvPicPr>
-          <p:cNvPr id="9219" name="Picture 3"/>
+          <p:cNvPr id="35842" name="Picture 2" descr="Machine Learning : Introduction to Naive Bayes Classifier in Python"/>
           <p:cNvPicPr>
             <a:picLocks noChangeAspect="1" noChangeArrowheads="1"/>
           </p:cNvPicPr>
@@ -13226,20 +13199,13 @@
         </p:blipFill>
         <p:spPr bwMode="auto">
           <a:xfrm>
-            <a:off x="323528" y="1916832"/>
-            <a:ext cx="8462839" cy="3399377"/>
+            <a:off x="683568" y="1412776"/>
+            <a:ext cx="7909531" cy="4356423"/>
           </a:xfrm>
           <a:prstGeom prst="rect">
             <a:avLst/>
           </a:prstGeom>
           <a:noFill/>
-          <a:ln w="9525">
-            <a:noFill/>
-            <a:miter lim="800000"/>
-            <a:headEnd/>
-            <a:tailEnd/>
-          </a:ln>
-          <a:effectLst/>
         </p:spPr>
       </p:pic>
     </p:spTree>
@@ -14803,15 +14769,7 @@
                   <a:schemeClr val="bg1"/>
                 </a:solidFill>
               </a:rPr>
-              <a:t>4</a:t>
-            </a:r>
-            <a:r>
-              <a:rPr lang="fr-FR" sz="6600" dirty="0" smtClean="0">
-                <a:solidFill>
-                  <a:schemeClr val="bg1"/>
-                </a:solidFill>
-              </a:rPr>
-              <a:t>) </a:t>
+              <a:t>4) </a:t>
             </a:r>
             <a:r>
               <a:rPr lang="fr-FR" sz="6600" dirty="0" err="1" smtClean="0">
@@ -15030,23 +14988,7 @@
                   <a:srgbClr val="C00000"/>
                 </a:solidFill>
               </a:rPr>
-              <a:t>0.7 en sensibilité et 0.9 en </a:t>
-            </a:r>
-            <a:r>
-              <a:rPr lang="fr-FR" dirty="0" smtClean="0">
-                <a:solidFill>
-                  <a:srgbClr val="C00000"/>
-                </a:solidFill>
-              </a:rPr>
-              <a:t>précision, </a:t>
-            </a:r>
-            <a:r>
-              <a:rPr lang="fr-FR" dirty="0" smtClean="0">
-                <a:solidFill>
-                  <a:srgbClr val="C00000"/>
-                </a:solidFill>
-              </a:rPr>
-              <a:t>sur les 40 tags les</a:t>
+              <a:t>0.7 en sensibilité et 0.9 en précision, sur les 40 tags les</a:t>
             </a:r>
           </a:p>
           <a:p>
@@ -15404,11 +15346,7 @@
             <a:p>
               <a:r>
                 <a:rPr lang="fr-FR" dirty="0" smtClean="0"/>
-                <a:t>Comparaison des modèles sur :        </a:t>
-              </a:r>
-              <a:r>
-                <a:rPr lang="fr-FR" dirty="0" smtClean="0"/>
-                <a:t>-</a:t>
+                <a:t>Comparaison des modèles sur :        -</a:t>
               </a:r>
               <a:r>
                 <a:rPr lang="fr-FR" dirty="0" err="1" smtClean="0"/>
@@ -15432,11 +15370,7 @@
               </a:r>
               <a:r>
                 <a:rPr lang="fr-FR" dirty="0" smtClean="0"/>
-                <a:t> </a:t>
-              </a:r>
-              <a:r>
-                <a:rPr lang="fr-FR" dirty="0" smtClean="0"/>
-                <a:t>sur jeu de test</a:t>
+                <a:t> sur jeu de test</a:t>
               </a:r>
               <a:endParaRPr lang="fr-FR" dirty="0"/>
             </a:p>
@@ -15644,23 +15578,7 @@
                   <a:schemeClr val="bg1"/>
                 </a:solidFill>
               </a:rPr>
-              <a:t>Pour les </a:t>
-            </a:r>
-            <a:r>
-              <a:rPr lang="fr-FR" sz="2400" dirty="0" smtClean="0">
-                <a:solidFill>
-                  <a:schemeClr val="bg1"/>
-                </a:solidFill>
-              </a:rPr>
-              <a:t>cinq </a:t>
-            </a:r>
-            <a:r>
-              <a:rPr lang="fr-FR" sz="2400" dirty="0" smtClean="0">
-                <a:solidFill>
-                  <a:schemeClr val="bg1"/>
-                </a:solidFill>
-              </a:rPr>
-              <a:t>modèles sélectionnés</a:t>
+              <a:t>Pour les cinq modèles sélectionnés</a:t>
             </a:r>
             <a:endParaRPr lang="fr-FR" sz="2400" dirty="0">
               <a:solidFill>
@@ -16879,6 +16797,39 @@
           </a:p>
         </p:txBody>
       </p:sp>
+      <p:pic>
+        <p:nvPicPr>
+          <p:cNvPr id="1026" name="Picture 2"/>
+          <p:cNvPicPr>
+            <a:picLocks noChangeAspect="1" noChangeArrowheads="1"/>
+          </p:cNvPicPr>
+          <p:nvPr/>
+        </p:nvPicPr>
+        <p:blipFill>
+          <a:blip r:embed="rId3" cstate="print"/>
+          <a:srcRect/>
+          <a:stretch>
+            <a:fillRect/>
+          </a:stretch>
+        </p:blipFill>
+        <p:spPr bwMode="auto">
+          <a:xfrm>
+            <a:off x="971600" y="1268760"/>
+            <a:ext cx="7297737" cy="4933950"/>
+          </a:xfrm>
+          <a:prstGeom prst="rect">
+            <a:avLst/>
+          </a:prstGeom>
+          <a:noFill/>
+          <a:ln w="9525">
+            <a:noFill/>
+            <a:miter lim="800000"/>
+            <a:headEnd/>
+            <a:tailEnd/>
+          </a:ln>
+          <a:effectLst/>
+        </p:spPr>
+      </p:pic>
     </p:spTree>
   </p:cSld>
   <p:clrMapOvr>
